--- a/Проект по подобию ретро танков.pptx
+++ b/Проект по подобию ретро танков.pptx
@@ -25689,8 +25689,8 @@
         </p:blipFill>
         <p:spPr>
           <a:xfrm>
-            <a:off x="266657" y="158875"/>
-            <a:ext cx="11882895" cy="6156199"/>
+            <a:off x="0" y="0"/>
+            <a:ext cx="12191999" cy="6858000"/>
           </a:xfrm>
         </p:spPr>
       </p:pic>
